--- a/ppts/Decision Trees.pptx
+++ b/ppts/Decision Trees.pptx
@@ -224,7 +224,7 @@
           <a:p>
             <a:fld id="{03EC5D43-A306-4CE6-B1B5-F25CF3397402}" type="datetimeFigureOut">
               <a:rPr lang="en-SE" smtClean="0"/>
-              <a:t>2024-03-04</a:t>
+              <a:t>2024-03-05</a:t>
             </a:fld>
             <a:endParaRPr lang="en-SE"/>
           </a:p>
@@ -641,7 +641,7 @@
           <a:p>
             <a:fld id="{674A156A-4A9D-4608-9AD9-1A389DFFAF9E}" type="datetimeFigureOut">
               <a:rPr lang="en-SE" smtClean="0"/>
-              <a:t>2024-03-04</a:t>
+              <a:t>2024-03-05</a:t>
             </a:fld>
             <a:endParaRPr lang="en-SE"/>
           </a:p>
@@ -841,7 +841,7 @@
           <a:p>
             <a:fld id="{674A156A-4A9D-4608-9AD9-1A389DFFAF9E}" type="datetimeFigureOut">
               <a:rPr lang="en-SE" smtClean="0"/>
-              <a:t>2024-03-04</a:t>
+              <a:t>2024-03-05</a:t>
             </a:fld>
             <a:endParaRPr lang="en-SE"/>
           </a:p>
@@ -1051,7 +1051,7 @@
           <a:p>
             <a:fld id="{674A156A-4A9D-4608-9AD9-1A389DFFAF9E}" type="datetimeFigureOut">
               <a:rPr lang="en-SE" smtClean="0"/>
-              <a:t>2024-03-04</a:t>
+              <a:t>2024-03-05</a:t>
             </a:fld>
             <a:endParaRPr lang="en-SE"/>
           </a:p>
@@ -1251,7 +1251,7 @@
           <a:p>
             <a:fld id="{674A156A-4A9D-4608-9AD9-1A389DFFAF9E}" type="datetimeFigureOut">
               <a:rPr lang="en-SE" smtClean="0"/>
-              <a:t>2024-03-04</a:t>
+              <a:t>2024-03-05</a:t>
             </a:fld>
             <a:endParaRPr lang="en-SE"/>
           </a:p>
@@ -1585,7 +1585,7 @@
           <a:p>
             <a:fld id="{674A156A-4A9D-4608-9AD9-1A389DFFAF9E}" type="datetimeFigureOut">
               <a:rPr lang="en-SE" smtClean="0"/>
-              <a:t>2024-03-04</a:t>
+              <a:t>2024-03-05</a:t>
             </a:fld>
             <a:endParaRPr lang="en-SE"/>
           </a:p>
@@ -2000,7 +2000,7 @@
           <a:p>
             <a:fld id="{674A156A-4A9D-4608-9AD9-1A389DFFAF9E}" type="datetimeFigureOut">
               <a:rPr lang="en-SE" smtClean="0"/>
-              <a:t>2024-03-04</a:t>
+              <a:t>2024-03-05</a:t>
             </a:fld>
             <a:endParaRPr lang="en-SE"/>
           </a:p>
@@ -2142,7 +2142,7 @@
           <a:p>
             <a:fld id="{674A156A-4A9D-4608-9AD9-1A389DFFAF9E}" type="datetimeFigureOut">
               <a:rPr lang="en-SE" smtClean="0"/>
-              <a:t>2024-03-04</a:t>
+              <a:t>2024-03-05</a:t>
             </a:fld>
             <a:endParaRPr lang="en-SE"/>
           </a:p>
@@ -2255,7 +2255,7 @@
           <a:p>
             <a:fld id="{674A156A-4A9D-4608-9AD9-1A389DFFAF9E}" type="datetimeFigureOut">
               <a:rPr lang="en-SE" smtClean="0"/>
-              <a:t>2024-03-04</a:t>
+              <a:t>2024-03-05</a:t>
             </a:fld>
             <a:endParaRPr lang="en-SE"/>
           </a:p>
@@ -2568,7 +2568,7 @@
           <a:p>
             <a:fld id="{674A156A-4A9D-4608-9AD9-1A389DFFAF9E}" type="datetimeFigureOut">
               <a:rPr lang="en-SE" smtClean="0"/>
-              <a:t>2024-03-04</a:t>
+              <a:t>2024-03-05</a:t>
             </a:fld>
             <a:endParaRPr lang="en-SE"/>
           </a:p>
@@ -2857,7 +2857,7 @@
           <a:p>
             <a:fld id="{674A156A-4A9D-4608-9AD9-1A389DFFAF9E}" type="datetimeFigureOut">
               <a:rPr lang="en-SE" smtClean="0"/>
-              <a:t>2024-03-04</a:t>
+              <a:t>2024-03-05</a:t>
             </a:fld>
             <a:endParaRPr lang="en-SE"/>
           </a:p>
@@ -3100,7 +3100,7 @@
           <a:p>
             <a:fld id="{674A156A-4A9D-4608-9AD9-1A389DFFAF9E}" type="datetimeFigureOut">
               <a:rPr lang="en-SE" smtClean="0"/>
-              <a:t>2024-03-04</a:t>
+              <a:t>2024-03-05</a:t>
             </a:fld>
             <a:endParaRPr lang="en-SE"/>
           </a:p>
@@ -4108,7 +4108,7 @@
         </p:nvSpPr>
         <p:spPr>
           <a:xfrm>
-            <a:off x="418213" y="5904245"/>
+            <a:off x="737187" y="5669434"/>
             <a:ext cx="6096000" cy="369332"/>
           </a:xfrm>
           <a:prstGeom prst="rect">
@@ -5515,6 +5515,92 @@
   <p:clrMapOvr>
     <a:masterClrMapping/>
   </p:clrMapOvr>
+  <p:timing>
+    <p:tnLst>
+      <p:par>
+        <p:cTn id="1" dur="indefinite" restart="never" nodeType="tmRoot">
+          <p:childTnLst>
+            <p:seq concurrent="1" nextAc="seek">
+              <p:cTn id="2" dur="indefinite" nodeType="mainSeq">
+                <p:childTnLst>
+                  <p:par>
+                    <p:cTn id="3" fill="hold">
+                      <p:stCondLst>
+                        <p:cond delay="indefinite"/>
+                      </p:stCondLst>
+                      <p:childTnLst>
+                        <p:par>
+                          <p:cTn id="4" fill="hold">
+                            <p:stCondLst>
+                              <p:cond delay="0"/>
+                            </p:stCondLst>
+                            <p:childTnLst>
+                              <p:par>
+                                <p:cTn id="5" presetID="10" presetClass="entr" presetSubtype="0" fill="hold" grpId="0" nodeType="clickEffect">
+                                  <p:stCondLst>
+                                    <p:cond delay="0"/>
+                                  </p:stCondLst>
+                                  <p:childTnLst>
+                                    <p:set>
+                                      <p:cBhvr>
+                                        <p:cTn id="6" dur="1" fill="hold">
+                                          <p:stCondLst>
+                                            <p:cond delay="0"/>
+                                          </p:stCondLst>
+                                        </p:cTn>
+                                        <p:tgtEl>
+                                          <p:spTgt spid="9"/>
+                                        </p:tgtEl>
+                                        <p:attrNameLst>
+                                          <p:attrName>style.visibility</p:attrName>
+                                        </p:attrNameLst>
+                                      </p:cBhvr>
+                                      <p:to>
+                                        <p:strVal val="visible"/>
+                                      </p:to>
+                                    </p:set>
+                                    <p:animEffect transition="in" filter="fade">
+                                      <p:cBhvr>
+                                        <p:cTn id="7" dur="500"/>
+                                        <p:tgtEl>
+                                          <p:spTgt spid="9"/>
+                                        </p:tgtEl>
+                                      </p:cBhvr>
+                                    </p:animEffect>
+                                  </p:childTnLst>
+                                </p:cTn>
+                              </p:par>
+                            </p:childTnLst>
+                          </p:cTn>
+                        </p:par>
+                      </p:childTnLst>
+                    </p:cTn>
+                  </p:par>
+                </p:childTnLst>
+              </p:cTn>
+              <p:prevCondLst>
+                <p:cond evt="onPrev" delay="0">
+                  <p:tgtEl>
+                    <p:sldTgt/>
+                  </p:tgtEl>
+                </p:cond>
+              </p:prevCondLst>
+              <p:nextCondLst>
+                <p:cond evt="onNext" delay="0">
+                  <p:tgtEl>
+                    <p:sldTgt/>
+                  </p:tgtEl>
+                </p:cond>
+              </p:nextCondLst>
+            </p:seq>
+          </p:childTnLst>
+        </p:cTn>
+      </p:par>
+    </p:tnLst>
+    <p:bldLst>
+      <p:bldP spid="9" grpId="0" animBg="1"/>
+    </p:bldLst>
+  </p:timing>
 </p:sld>
 </file>
 
@@ -7417,6 +7503,326 @@
   <p:clrMapOvr>
     <a:masterClrMapping/>
   </p:clrMapOvr>
+  <p:timing>
+    <p:tnLst>
+      <p:par>
+        <p:cTn id="1" dur="indefinite" restart="never" nodeType="tmRoot">
+          <p:childTnLst>
+            <p:seq concurrent="1" nextAc="seek">
+              <p:cTn id="2" dur="indefinite" nodeType="mainSeq">
+                <p:childTnLst>
+                  <p:par>
+                    <p:cTn id="3" fill="hold">
+                      <p:stCondLst>
+                        <p:cond delay="indefinite"/>
+                      </p:stCondLst>
+                      <p:childTnLst>
+                        <p:par>
+                          <p:cTn id="4" fill="hold">
+                            <p:stCondLst>
+                              <p:cond delay="0"/>
+                            </p:stCondLst>
+                            <p:childTnLst>
+                              <p:par>
+                                <p:cTn id="5" presetID="10" presetClass="entr" presetSubtype="0" fill="hold" grpId="0" nodeType="clickEffect">
+                                  <p:stCondLst>
+                                    <p:cond delay="0"/>
+                                  </p:stCondLst>
+                                  <p:childTnLst>
+                                    <p:set>
+                                      <p:cBhvr>
+                                        <p:cTn id="6" dur="1" fill="hold">
+                                          <p:stCondLst>
+                                            <p:cond delay="0"/>
+                                          </p:stCondLst>
+                                        </p:cTn>
+                                        <p:tgtEl>
+                                          <p:spTgt spid="18"/>
+                                        </p:tgtEl>
+                                        <p:attrNameLst>
+                                          <p:attrName>style.visibility</p:attrName>
+                                        </p:attrNameLst>
+                                      </p:cBhvr>
+                                      <p:to>
+                                        <p:strVal val="visible"/>
+                                      </p:to>
+                                    </p:set>
+                                    <p:animEffect transition="in" filter="fade">
+                                      <p:cBhvr>
+                                        <p:cTn id="7" dur="500"/>
+                                        <p:tgtEl>
+                                          <p:spTgt spid="18"/>
+                                        </p:tgtEl>
+                                      </p:cBhvr>
+                                    </p:animEffect>
+                                  </p:childTnLst>
+                                </p:cTn>
+                              </p:par>
+                              <p:par>
+                                <p:cTn id="8" presetID="10" presetClass="entr" presetSubtype="0" fill="hold" grpId="0" nodeType="withEffect">
+                                  <p:stCondLst>
+                                    <p:cond delay="0"/>
+                                  </p:stCondLst>
+                                  <p:childTnLst>
+                                    <p:set>
+                                      <p:cBhvr>
+                                        <p:cTn id="9" dur="1" fill="hold">
+                                          <p:stCondLst>
+                                            <p:cond delay="0"/>
+                                          </p:stCondLst>
+                                        </p:cTn>
+                                        <p:tgtEl>
+                                          <p:spTgt spid="19"/>
+                                        </p:tgtEl>
+                                        <p:attrNameLst>
+                                          <p:attrName>style.visibility</p:attrName>
+                                        </p:attrNameLst>
+                                      </p:cBhvr>
+                                      <p:to>
+                                        <p:strVal val="visible"/>
+                                      </p:to>
+                                    </p:set>
+                                    <p:animEffect transition="in" filter="fade">
+                                      <p:cBhvr>
+                                        <p:cTn id="10" dur="500"/>
+                                        <p:tgtEl>
+                                          <p:spTgt spid="19"/>
+                                        </p:tgtEl>
+                                      </p:cBhvr>
+                                    </p:animEffect>
+                                  </p:childTnLst>
+                                </p:cTn>
+                              </p:par>
+                            </p:childTnLst>
+                          </p:cTn>
+                        </p:par>
+                      </p:childTnLst>
+                    </p:cTn>
+                  </p:par>
+                  <p:par>
+                    <p:cTn id="11" fill="hold">
+                      <p:stCondLst>
+                        <p:cond delay="indefinite"/>
+                      </p:stCondLst>
+                      <p:childTnLst>
+                        <p:par>
+                          <p:cTn id="12" fill="hold">
+                            <p:stCondLst>
+                              <p:cond delay="0"/>
+                            </p:stCondLst>
+                            <p:childTnLst>
+                              <p:par>
+                                <p:cTn id="13" presetID="10" presetClass="entr" presetSubtype="0" fill="hold" grpId="0" nodeType="clickEffect">
+                                  <p:stCondLst>
+                                    <p:cond delay="0"/>
+                                  </p:stCondLst>
+                                  <p:childTnLst>
+                                    <p:set>
+                                      <p:cBhvr>
+                                        <p:cTn id="14" dur="1" fill="hold">
+                                          <p:stCondLst>
+                                            <p:cond delay="0"/>
+                                          </p:stCondLst>
+                                        </p:cTn>
+                                        <p:tgtEl>
+                                          <p:spTgt spid="20"/>
+                                        </p:tgtEl>
+                                        <p:attrNameLst>
+                                          <p:attrName>style.visibility</p:attrName>
+                                        </p:attrNameLst>
+                                      </p:cBhvr>
+                                      <p:to>
+                                        <p:strVal val="visible"/>
+                                      </p:to>
+                                    </p:set>
+                                    <p:animEffect transition="in" filter="fade">
+                                      <p:cBhvr>
+                                        <p:cTn id="15" dur="500"/>
+                                        <p:tgtEl>
+                                          <p:spTgt spid="20"/>
+                                        </p:tgtEl>
+                                      </p:cBhvr>
+                                    </p:animEffect>
+                                  </p:childTnLst>
+                                </p:cTn>
+                              </p:par>
+                              <p:par>
+                                <p:cTn id="16" presetID="10" presetClass="entr" presetSubtype="0" fill="hold" grpId="0" nodeType="withEffect">
+                                  <p:stCondLst>
+                                    <p:cond delay="0"/>
+                                  </p:stCondLst>
+                                  <p:childTnLst>
+                                    <p:set>
+                                      <p:cBhvr>
+                                        <p:cTn id="17" dur="1" fill="hold">
+                                          <p:stCondLst>
+                                            <p:cond delay="0"/>
+                                          </p:stCondLst>
+                                        </p:cTn>
+                                        <p:tgtEl>
+                                          <p:spTgt spid="21"/>
+                                        </p:tgtEl>
+                                        <p:attrNameLst>
+                                          <p:attrName>style.visibility</p:attrName>
+                                        </p:attrNameLst>
+                                      </p:cBhvr>
+                                      <p:to>
+                                        <p:strVal val="visible"/>
+                                      </p:to>
+                                    </p:set>
+                                    <p:animEffect transition="in" filter="fade">
+                                      <p:cBhvr>
+                                        <p:cTn id="18" dur="500"/>
+                                        <p:tgtEl>
+                                          <p:spTgt spid="21"/>
+                                        </p:tgtEl>
+                                      </p:cBhvr>
+                                    </p:animEffect>
+                                  </p:childTnLst>
+                                </p:cTn>
+                              </p:par>
+                            </p:childTnLst>
+                          </p:cTn>
+                        </p:par>
+                      </p:childTnLst>
+                    </p:cTn>
+                  </p:par>
+                  <p:par>
+                    <p:cTn id="19" fill="hold">
+                      <p:stCondLst>
+                        <p:cond delay="indefinite"/>
+                      </p:stCondLst>
+                      <p:childTnLst>
+                        <p:par>
+                          <p:cTn id="20" fill="hold">
+                            <p:stCondLst>
+                              <p:cond delay="0"/>
+                            </p:stCondLst>
+                            <p:childTnLst>
+                              <p:par>
+                                <p:cTn id="21" presetID="10" presetClass="entr" presetSubtype="0" fill="hold" grpId="0" nodeType="clickEffect">
+                                  <p:stCondLst>
+                                    <p:cond delay="0"/>
+                                  </p:stCondLst>
+                                  <p:childTnLst>
+                                    <p:set>
+                                      <p:cBhvr>
+                                        <p:cTn id="22" dur="1" fill="hold">
+                                          <p:stCondLst>
+                                            <p:cond delay="0"/>
+                                          </p:stCondLst>
+                                        </p:cTn>
+                                        <p:tgtEl>
+                                          <p:spTgt spid="22"/>
+                                        </p:tgtEl>
+                                        <p:attrNameLst>
+                                          <p:attrName>style.visibility</p:attrName>
+                                        </p:attrNameLst>
+                                      </p:cBhvr>
+                                      <p:to>
+                                        <p:strVal val="visible"/>
+                                      </p:to>
+                                    </p:set>
+                                    <p:animEffect transition="in" filter="fade">
+                                      <p:cBhvr>
+                                        <p:cTn id="23" dur="500"/>
+                                        <p:tgtEl>
+                                          <p:spTgt spid="22"/>
+                                        </p:tgtEl>
+                                      </p:cBhvr>
+                                    </p:animEffect>
+                                  </p:childTnLst>
+                                </p:cTn>
+                              </p:par>
+                            </p:childTnLst>
+                          </p:cTn>
+                        </p:par>
+                      </p:childTnLst>
+                    </p:cTn>
+                  </p:par>
+                  <p:par>
+                    <p:cTn id="24" fill="hold">
+                      <p:stCondLst>
+                        <p:cond delay="indefinite"/>
+                      </p:stCondLst>
+                      <p:childTnLst>
+                        <p:par>
+                          <p:cTn id="25" fill="hold">
+                            <p:stCondLst>
+                              <p:cond delay="0"/>
+                            </p:stCondLst>
+                            <p:childTnLst>
+                              <p:par>
+                                <p:cTn id="26" presetID="10" presetClass="entr" presetSubtype="0" fill="hold" grpId="0" nodeType="clickEffect">
+                                  <p:stCondLst>
+                                    <p:cond delay="0"/>
+                                  </p:stCondLst>
+                                  <p:childTnLst>
+                                    <p:set>
+                                      <p:cBhvr>
+                                        <p:cTn id="27" dur="1" fill="hold">
+                                          <p:stCondLst>
+                                            <p:cond delay="0"/>
+                                          </p:stCondLst>
+                                        </p:cTn>
+                                        <p:tgtEl>
+                                          <p:spTgt spid="23"/>
+                                        </p:tgtEl>
+                                        <p:attrNameLst>
+                                          <p:attrName>style.visibility</p:attrName>
+                                        </p:attrNameLst>
+                                      </p:cBhvr>
+                                      <p:to>
+                                        <p:strVal val="visible"/>
+                                      </p:to>
+                                    </p:set>
+                                    <p:animEffect transition="in" filter="fade">
+                                      <p:cBhvr>
+                                        <p:cTn id="28" dur="500"/>
+                                        <p:tgtEl>
+                                          <p:spTgt spid="23"/>
+                                        </p:tgtEl>
+                                      </p:cBhvr>
+                                    </p:animEffect>
+                                  </p:childTnLst>
+                                </p:cTn>
+                              </p:par>
+                            </p:childTnLst>
+                          </p:cTn>
+                        </p:par>
+                      </p:childTnLst>
+                    </p:cTn>
+                  </p:par>
+                </p:childTnLst>
+              </p:cTn>
+              <p:prevCondLst>
+                <p:cond evt="onPrev" delay="0">
+                  <p:tgtEl>
+                    <p:sldTgt/>
+                  </p:tgtEl>
+                </p:cond>
+              </p:prevCondLst>
+              <p:nextCondLst>
+                <p:cond evt="onNext" delay="0">
+                  <p:tgtEl>
+                    <p:sldTgt/>
+                  </p:tgtEl>
+                </p:cond>
+              </p:nextCondLst>
+            </p:seq>
+          </p:childTnLst>
+        </p:cTn>
+      </p:par>
+    </p:tnLst>
+    <p:bldLst>
+      <p:bldP spid="18" grpId="0" animBg="1"/>
+      <p:bldP spid="19" grpId="0"/>
+      <p:bldP spid="20" grpId="0"/>
+      <p:bldP spid="21" grpId="0"/>
+      <p:bldP spid="22" grpId="0"/>
+      <p:bldP spid="23" grpId="0" animBg="1"/>
+    </p:bldLst>
+  </p:timing>
 </p:sld>
 </file>
 
@@ -7799,10 +8205,13 @@
               </a:rPr>
               <a:t>model</a:t>
             </a:r>
-            <a:endParaRPr lang="sv-SE" dirty="0">
-              <a:latin typeface="Century Gothic" panose="020B0502020202020204" pitchFamily="34" charset="0"/>
-              <a:cs typeface="Calibri Light" panose="020F0302020204030204" pitchFamily="34" charset="0"/>
-            </a:endParaRPr>
+            <a:r>
+              <a:rPr lang="sv-SE" dirty="0">
+                <a:latin typeface="Century Gothic" panose="020B0502020202020204" pitchFamily="34" charset="0"/>
+                <a:cs typeface="Calibri Light" panose="020F0302020204030204" pitchFamily="34" charset="0"/>
+              </a:rPr>
+              <a:t>.</a:t>
+            </a:r>
           </a:p>
           <a:p>
             <a:pPr marL="342900" indent="-342900">
@@ -8223,6 +8632,341 @@
   <p:clrMapOvr>
     <a:masterClrMapping/>
   </p:clrMapOvr>
+  <p:timing>
+    <p:tnLst>
+      <p:par>
+        <p:cTn id="1" dur="indefinite" restart="never" nodeType="tmRoot">
+          <p:childTnLst>
+            <p:seq concurrent="1" nextAc="seek">
+              <p:cTn id="2" dur="indefinite" nodeType="mainSeq">
+                <p:childTnLst>
+                  <p:par>
+                    <p:cTn id="3" fill="hold">
+                      <p:stCondLst>
+                        <p:cond delay="indefinite"/>
+                      </p:stCondLst>
+                      <p:childTnLst>
+                        <p:par>
+                          <p:cTn id="4" fill="hold">
+                            <p:stCondLst>
+                              <p:cond delay="0"/>
+                            </p:stCondLst>
+                            <p:childTnLst>
+                              <p:par>
+                                <p:cTn id="5" presetID="10" presetClass="entr" presetSubtype="0" fill="hold" nodeType="clickEffect">
+                                  <p:stCondLst>
+                                    <p:cond delay="0"/>
+                                  </p:stCondLst>
+                                  <p:childTnLst>
+                                    <p:set>
+                                      <p:cBhvr>
+                                        <p:cTn id="6" dur="1" fill="hold">
+                                          <p:stCondLst>
+                                            <p:cond delay="0"/>
+                                          </p:stCondLst>
+                                        </p:cTn>
+                                        <p:tgtEl>
+                                          <p:spTgt spid="4">
+                                            <p:txEl>
+                                              <p:pRg st="2" end="2"/>
+                                            </p:txEl>
+                                          </p:spTgt>
+                                        </p:tgtEl>
+                                        <p:attrNameLst>
+                                          <p:attrName>style.visibility</p:attrName>
+                                        </p:attrNameLst>
+                                      </p:cBhvr>
+                                      <p:to>
+                                        <p:strVal val="visible"/>
+                                      </p:to>
+                                    </p:set>
+                                    <p:animEffect transition="in" filter="fade">
+                                      <p:cBhvr>
+                                        <p:cTn id="7" dur="500"/>
+                                        <p:tgtEl>
+                                          <p:spTgt spid="4">
+                                            <p:txEl>
+                                              <p:pRg st="2" end="2"/>
+                                            </p:txEl>
+                                          </p:spTgt>
+                                        </p:tgtEl>
+                                      </p:cBhvr>
+                                    </p:animEffect>
+                                  </p:childTnLst>
+                                </p:cTn>
+                              </p:par>
+                            </p:childTnLst>
+                          </p:cTn>
+                        </p:par>
+                      </p:childTnLst>
+                    </p:cTn>
+                  </p:par>
+                  <p:par>
+                    <p:cTn id="8" fill="hold">
+                      <p:stCondLst>
+                        <p:cond delay="indefinite"/>
+                      </p:stCondLst>
+                      <p:childTnLst>
+                        <p:par>
+                          <p:cTn id="9" fill="hold">
+                            <p:stCondLst>
+                              <p:cond delay="0"/>
+                            </p:stCondLst>
+                            <p:childTnLst>
+                              <p:par>
+                                <p:cTn id="10" presetID="10" presetClass="entr" presetSubtype="0" fill="hold" nodeType="clickEffect">
+                                  <p:stCondLst>
+                                    <p:cond delay="0"/>
+                                  </p:stCondLst>
+                                  <p:childTnLst>
+                                    <p:set>
+                                      <p:cBhvr>
+                                        <p:cTn id="11" dur="1" fill="hold">
+                                          <p:stCondLst>
+                                            <p:cond delay="0"/>
+                                          </p:stCondLst>
+                                        </p:cTn>
+                                        <p:tgtEl>
+                                          <p:spTgt spid="4">
+                                            <p:txEl>
+                                              <p:pRg st="4" end="4"/>
+                                            </p:txEl>
+                                          </p:spTgt>
+                                        </p:tgtEl>
+                                        <p:attrNameLst>
+                                          <p:attrName>style.visibility</p:attrName>
+                                        </p:attrNameLst>
+                                      </p:cBhvr>
+                                      <p:to>
+                                        <p:strVal val="visible"/>
+                                      </p:to>
+                                    </p:set>
+                                    <p:animEffect transition="in" filter="fade">
+                                      <p:cBhvr>
+                                        <p:cTn id="12" dur="500"/>
+                                        <p:tgtEl>
+                                          <p:spTgt spid="4">
+                                            <p:txEl>
+                                              <p:pRg st="4" end="4"/>
+                                            </p:txEl>
+                                          </p:spTgt>
+                                        </p:tgtEl>
+                                      </p:cBhvr>
+                                    </p:animEffect>
+                                  </p:childTnLst>
+                                </p:cTn>
+                              </p:par>
+                            </p:childTnLst>
+                          </p:cTn>
+                        </p:par>
+                      </p:childTnLst>
+                    </p:cTn>
+                  </p:par>
+                  <p:par>
+                    <p:cTn id="13" fill="hold">
+                      <p:stCondLst>
+                        <p:cond delay="indefinite"/>
+                      </p:stCondLst>
+                      <p:childTnLst>
+                        <p:par>
+                          <p:cTn id="14" fill="hold">
+                            <p:stCondLst>
+                              <p:cond delay="0"/>
+                            </p:stCondLst>
+                            <p:childTnLst>
+                              <p:par>
+                                <p:cTn id="15" presetID="10" presetClass="entr" presetSubtype="0" fill="hold" nodeType="clickEffect">
+                                  <p:stCondLst>
+                                    <p:cond delay="0"/>
+                                  </p:stCondLst>
+                                  <p:childTnLst>
+                                    <p:set>
+                                      <p:cBhvr>
+                                        <p:cTn id="16" dur="1" fill="hold">
+                                          <p:stCondLst>
+                                            <p:cond delay="0"/>
+                                          </p:stCondLst>
+                                        </p:cTn>
+                                        <p:tgtEl>
+                                          <p:spTgt spid="4">
+                                            <p:txEl>
+                                              <p:pRg st="6" end="6"/>
+                                            </p:txEl>
+                                          </p:spTgt>
+                                        </p:tgtEl>
+                                        <p:attrNameLst>
+                                          <p:attrName>style.visibility</p:attrName>
+                                        </p:attrNameLst>
+                                      </p:cBhvr>
+                                      <p:to>
+                                        <p:strVal val="visible"/>
+                                      </p:to>
+                                    </p:set>
+                                    <p:animEffect transition="in" filter="fade">
+                                      <p:cBhvr>
+                                        <p:cTn id="17" dur="500"/>
+                                        <p:tgtEl>
+                                          <p:spTgt spid="4">
+                                            <p:txEl>
+                                              <p:pRg st="6" end="6"/>
+                                            </p:txEl>
+                                          </p:spTgt>
+                                        </p:tgtEl>
+                                      </p:cBhvr>
+                                    </p:animEffect>
+                                  </p:childTnLst>
+                                </p:cTn>
+                              </p:par>
+                            </p:childTnLst>
+                          </p:cTn>
+                        </p:par>
+                      </p:childTnLst>
+                    </p:cTn>
+                  </p:par>
+                  <p:par>
+                    <p:cTn id="18" fill="hold">
+                      <p:stCondLst>
+                        <p:cond delay="indefinite"/>
+                      </p:stCondLst>
+                      <p:childTnLst>
+                        <p:par>
+                          <p:cTn id="19" fill="hold">
+                            <p:stCondLst>
+                              <p:cond delay="0"/>
+                            </p:stCondLst>
+                            <p:childTnLst>
+                              <p:par>
+                                <p:cTn id="20" presetID="10" presetClass="entr" presetSubtype="0" fill="hold" nodeType="clickEffect">
+                                  <p:stCondLst>
+                                    <p:cond delay="0"/>
+                                  </p:stCondLst>
+                                  <p:childTnLst>
+                                    <p:set>
+                                      <p:cBhvr>
+                                        <p:cTn id="21" dur="1" fill="hold">
+                                          <p:stCondLst>
+                                            <p:cond delay="0"/>
+                                          </p:stCondLst>
+                                        </p:cTn>
+                                        <p:tgtEl>
+                                          <p:spTgt spid="4">
+                                            <p:txEl>
+                                              <p:pRg st="8" end="8"/>
+                                            </p:txEl>
+                                          </p:spTgt>
+                                        </p:tgtEl>
+                                        <p:attrNameLst>
+                                          <p:attrName>style.visibility</p:attrName>
+                                        </p:attrNameLst>
+                                      </p:cBhvr>
+                                      <p:to>
+                                        <p:strVal val="visible"/>
+                                      </p:to>
+                                    </p:set>
+                                    <p:animEffect transition="in" filter="fade">
+                                      <p:cBhvr>
+                                        <p:cTn id="22" dur="500"/>
+                                        <p:tgtEl>
+                                          <p:spTgt spid="4">
+                                            <p:txEl>
+                                              <p:pRg st="8" end="8"/>
+                                            </p:txEl>
+                                          </p:spTgt>
+                                        </p:tgtEl>
+                                      </p:cBhvr>
+                                    </p:animEffect>
+                                  </p:childTnLst>
+                                </p:cTn>
+                              </p:par>
+                            </p:childTnLst>
+                          </p:cTn>
+                        </p:par>
+                      </p:childTnLst>
+                    </p:cTn>
+                  </p:par>
+                  <p:par>
+                    <p:cTn id="23" fill="hold">
+                      <p:stCondLst>
+                        <p:cond delay="indefinite"/>
+                      </p:stCondLst>
+                      <p:childTnLst>
+                        <p:par>
+                          <p:cTn id="24" fill="hold">
+                            <p:stCondLst>
+                              <p:cond delay="0"/>
+                            </p:stCondLst>
+                            <p:childTnLst>
+                              <p:par>
+                                <p:cTn id="25" presetID="10" presetClass="entr" presetSubtype="0" fill="hold" nodeType="clickEffect">
+                                  <p:stCondLst>
+                                    <p:cond delay="0"/>
+                                  </p:stCondLst>
+                                  <p:childTnLst>
+                                    <p:set>
+                                      <p:cBhvr>
+                                        <p:cTn id="26" dur="1" fill="hold">
+                                          <p:stCondLst>
+                                            <p:cond delay="0"/>
+                                          </p:stCondLst>
+                                        </p:cTn>
+                                        <p:tgtEl>
+                                          <p:spTgt spid="4">
+                                            <p:txEl>
+                                              <p:pRg st="10" end="10"/>
+                                            </p:txEl>
+                                          </p:spTgt>
+                                        </p:tgtEl>
+                                        <p:attrNameLst>
+                                          <p:attrName>style.visibility</p:attrName>
+                                        </p:attrNameLst>
+                                      </p:cBhvr>
+                                      <p:to>
+                                        <p:strVal val="visible"/>
+                                      </p:to>
+                                    </p:set>
+                                    <p:animEffect transition="in" filter="fade">
+                                      <p:cBhvr>
+                                        <p:cTn id="27" dur="500"/>
+                                        <p:tgtEl>
+                                          <p:spTgt spid="4">
+                                            <p:txEl>
+                                              <p:pRg st="10" end="10"/>
+                                            </p:txEl>
+                                          </p:spTgt>
+                                        </p:tgtEl>
+                                      </p:cBhvr>
+                                    </p:animEffect>
+                                  </p:childTnLst>
+                                </p:cTn>
+                              </p:par>
+                            </p:childTnLst>
+                          </p:cTn>
+                        </p:par>
+                      </p:childTnLst>
+                    </p:cTn>
+                  </p:par>
+                </p:childTnLst>
+              </p:cTn>
+              <p:prevCondLst>
+                <p:cond evt="onPrev" delay="0">
+                  <p:tgtEl>
+                    <p:sldTgt/>
+                  </p:tgtEl>
+                </p:cond>
+              </p:prevCondLst>
+              <p:nextCondLst>
+                <p:cond evt="onNext" delay="0">
+                  <p:tgtEl>
+                    <p:sldTgt/>
+                  </p:tgtEl>
+                </p:cond>
+              </p:nextCondLst>
+            </p:seq>
+          </p:childTnLst>
+        </p:cTn>
+      </p:par>
+    </p:tnLst>
+  </p:timing>
 </p:sld>
 </file>
 
@@ -8896,7 +9640,20 @@
                 <a:effectLst/>
                 <a:latin typeface="Arial" panose="020B0604020202020204" pitchFamily="34" charset="0"/>
               </a:rPr>
-              <a:t>DecisionTreeClassifier</a:t>
+              <a:t>DecisionTree</a:t>
+            </a:r>
+            <a:r>
+              <a:rPr kumimoji="0" lang="en-GB" altLang="en-SE" sz="1400" b="0" i="0" u="none" strike="noStrike" cap="none" normalizeH="0" baseline="0" dirty="0">
+                <a:ln>
+                  <a:noFill/>
+                </a:ln>
+                <a:solidFill>
+                  <a:schemeClr val="tx1"/>
+                </a:solidFill>
+                <a:effectLst/>
+                <a:latin typeface="Arial" panose="020B0604020202020204" pitchFamily="34" charset="0"/>
+              </a:rPr>
+              <a:t>Regressor</a:t>
             </a:r>
             <a:r>
               <a:rPr kumimoji="0" lang="en-SE" altLang="en-SE" sz="1400" b="0" i="0" u="none" strike="noStrike" cap="none" normalizeH="0" baseline="0" dirty="0">
@@ -9784,6 +10541,326 @@
   <p:clrMapOvr>
     <a:masterClrMapping/>
   </p:clrMapOvr>
+  <p:timing>
+    <p:tnLst>
+      <p:par>
+        <p:cTn id="1" dur="indefinite" restart="never" nodeType="tmRoot">
+          <p:childTnLst>
+            <p:seq concurrent="1" nextAc="seek">
+              <p:cTn id="2" dur="indefinite" nodeType="mainSeq">
+                <p:childTnLst>
+                  <p:par>
+                    <p:cTn id="3" fill="hold">
+                      <p:stCondLst>
+                        <p:cond delay="indefinite"/>
+                      </p:stCondLst>
+                      <p:childTnLst>
+                        <p:par>
+                          <p:cTn id="4" fill="hold">
+                            <p:stCondLst>
+                              <p:cond delay="0"/>
+                            </p:stCondLst>
+                            <p:childTnLst>
+                              <p:par>
+                                <p:cTn id="5" presetID="10" presetClass="entr" presetSubtype="0" fill="hold" grpId="0" nodeType="clickEffect">
+                                  <p:stCondLst>
+                                    <p:cond delay="0"/>
+                                  </p:stCondLst>
+                                  <p:childTnLst>
+                                    <p:set>
+                                      <p:cBhvr>
+                                        <p:cTn id="6" dur="1" fill="hold">
+                                          <p:stCondLst>
+                                            <p:cond delay="0"/>
+                                          </p:stCondLst>
+                                        </p:cTn>
+                                        <p:tgtEl>
+                                          <p:spTgt spid="5"/>
+                                        </p:tgtEl>
+                                        <p:attrNameLst>
+                                          <p:attrName>style.visibility</p:attrName>
+                                        </p:attrNameLst>
+                                      </p:cBhvr>
+                                      <p:to>
+                                        <p:strVal val="visible"/>
+                                      </p:to>
+                                    </p:set>
+                                    <p:animEffect transition="in" filter="fade">
+                                      <p:cBhvr>
+                                        <p:cTn id="7" dur="500"/>
+                                        <p:tgtEl>
+                                          <p:spTgt spid="5"/>
+                                        </p:tgtEl>
+                                      </p:cBhvr>
+                                    </p:animEffect>
+                                  </p:childTnLst>
+                                </p:cTn>
+                              </p:par>
+                              <p:par>
+                                <p:cTn id="8" presetID="10" presetClass="entr" presetSubtype="0" fill="hold" grpId="0" nodeType="withEffect">
+                                  <p:stCondLst>
+                                    <p:cond delay="0"/>
+                                  </p:stCondLst>
+                                  <p:childTnLst>
+                                    <p:set>
+                                      <p:cBhvr>
+                                        <p:cTn id="9" dur="1" fill="hold">
+                                          <p:stCondLst>
+                                            <p:cond delay="0"/>
+                                          </p:stCondLst>
+                                        </p:cTn>
+                                        <p:tgtEl>
+                                          <p:spTgt spid="2"/>
+                                        </p:tgtEl>
+                                        <p:attrNameLst>
+                                          <p:attrName>style.visibility</p:attrName>
+                                        </p:attrNameLst>
+                                      </p:cBhvr>
+                                      <p:to>
+                                        <p:strVal val="visible"/>
+                                      </p:to>
+                                    </p:set>
+                                    <p:animEffect transition="in" filter="fade">
+                                      <p:cBhvr>
+                                        <p:cTn id="10" dur="500"/>
+                                        <p:tgtEl>
+                                          <p:spTgt spid="2"/>
+                                        </p:tgtEl>
+                                      </p:cBhvr>
+                                    </p:animEffect>
+                                  </p:childTnLst>
+                                </p:cTn>
+                              </p:par>
+                            </p:childTnLst>
+                          </p:cTn>
+                        </p:par>
+                      </p:childTnLst>
+                    </p:cTn>
+                  </p:par>
+                  <p:par>
+                    <p:cTn id="11" fill="hold">
+                      <p:stCondLst>
+                        <p:cond delay="indefinite"/>
+                      </p:stCondLst>
+                      <p:childTnLst>
+                        <p:par>
+                          <p:cTn id="12" fill="hold">
+                            <p:stCondLst>
+                              <p:cond delay="0"/>
+                            </p:stCondLst>
+                            <p:childTnLst>
+                              <p:par>
+                                <p:cTn id="13" presetID="10" presetClass="entr" presetSubtype="0" fill="hold" grpId="0" nodeType="clickEffect">
+                                  <p:stCondLst>
+                                    <p:cond delay="0"/>
+                                  </p:stCondLst>
+                                  <p:childTnLst>
+                                    <p:set>
+                                      <p:cBhvr>
+                                        <p:cTn id="14" dur="1" fill="hold">
+                                          <p:stCondLst>
+                                            <p:cond delay="0"/>
+                                          </p:stCondLst>
+                                        </p:cTn>
+                                        <p:tgtEl>
+                                          <p:spTgt spid="9"/>
+                                        </p:tgtEl>
+                                        <p:attrNameLst>
+                                          <p:attrName>style.visibility</p:attrName>
+                                        </p:attrNameLst>
+                                      </p:cBhvr>
+                                      <p:to>
+                                        <p:strVal val="visible"/>
+                                      </p:to>
+                                    </p:set>
+                                    <p:animEffect transition="in" filter="fade">
+                                      <p:cBhvr>
+                                        <p:cTn id="15" dur="500"/>
+                                        <p:tgtEl>
+                                          <p:spTgt spid="9"/>
+                                        </p:tgtEl>
+                                      </p:cBhvr>
+                                    </p:animEffect>
+                                  </p:childTnLst>
+                                </p:cTn>
+                              </p:par>
+                            </p:childTnLst>
+                          </p:cTn>
+                        </p:par>
+                      </p:childTnLst>
+                    </p:cTn>
+                  </p:par>
+                  <p:par>
+                    <p:cTn id="16" fill="hold">
+                      <p:stCondLst>
+                        <p:cond delay="indefinite"/>
+                      </p:stCondLst>
+                      <p:childTnLst>
+                        <p:par>
+                          <p:cTn id="17" fill="hold">
+                            <p:stCondLst>
+                              <p:cond delay="0"/>
+                            </p:stCondLst>
+                            <p:childTnLst>
+                              <p:par>
+                                <p:cTn id="18" presetID="10" presetClass="entr" presetSubtype="0" fill="hold" grpId="0" nodeType="clickEffect">
+                                  <p:stCondLst>
+                                    <p:cond delay="0"/>
+                                  </p:stCondLst>
+                                  <p:childTnLst>
+                                    <p:set>
+                                      <p:cBhvr>
+                                        <p:cTn id="19" dur="1" fill="hold">
+                                          <p:stCondLst>
+                                            <p:cond delay="0"/>
+                                          </p:stCondLst>
+                                        </p:cTn>
+                                        <p:tgtEl>
+                                          <p:spTgt spid="4"/>
+                                        </p:tgtEl>
+                                        <p:attrNameLst>
+                                          <p:attrName>style.visibility</p:attrName>
+                                        </p:attrNameLst>
+                                      </p:cBhvr>
+                                      <p:to>
+                                        <p:strVal val="visible"/>
+                                      </p:to>
+                                    </p:set>
+                                    <p:animEffect transition="in" filter="fade">
+                                      <p:cBhvr>
+                                        <p:cTn id="20" dur="500"/>
+                                        <p:tgtEl>
+                                          <p:spTgt spid="4"/>
+                                        </p:tgtEl>
+                                      </p:cBhvr>
+                                    </p:animEffect>
+                                  </p:childTnLst>
+                                </p:cTn>
+                              </p:par>
+                              <p:par>
+                                <p:cTn id="21" presetID="10" presetClass="entr" presetSubtype="0" fill="hold" grpId="0" nodeType="withEffect">
+                                  <p:stCondLst>
+                                    <p:cond delay="0"/>
+                                  </p:stCondLst>
+                                  <p:childTnLst>
+                                    <p:set>
+                                      <p:cBhvr>
+                                        <p:cTn id="22" dur="1" fill="hold">
+                                          <p:stCondLst>
+                                            <p:cond delay="0"/>
+                                          </p:stCondLst>
+                                        </p:cTn>
+                                        <p:tgtEl>
+                                          <p:spTgt spid="3"/>
+                                        </p:tgtEl>
+                                        <p:attrNameLst>
+                                          <p:attrName>style.visibility</p:attrName>
+                                        </p:attrNameLst>
+                                      </p:cBhvr>
+                                      <p:to>
+                                        <p:strVal val="visible"/>
+                                      </p:to>
+                                    </p:set>
+                                    <p:animEffect transition="in" filter="fade">
+                                      <p:cBhvr>
+                                        <p:cTn id="23" dur="500"/>
+                                        <p:tgtEl>
+                                          <p:spTgt spid="3"/>
+                                        </p:tgtEl>
+                                      </p:cBhvr>
+                                    </p:animEffect>
+                                  </p:childTnLst>
+                                </p:cTn>
+                              </p:par>
+                            </p:childTnLst>
+                          </p:cTn>
+                        </p:par>
+                      </p:childTnLst>
+                    </p:cTn>
+                  </p:par>
+                  <p:par>
+                    <p:cTn id="24" fill="hold">
+                      <p:stCondLst>
+                        <p:cond delay="indefinite"/>
+                      </p:stCondLst>
+                      <p:childTnLst>
+                        <p:par>
+                          <p:cTn id="25" fill="hold">
+                            <p:stCondLst>
+                              <p:cond delay="0"/>
+                            </p:stCondLst>
+                            <p:childTnLst>
+                              <p:par>
+                                <p:cTn id="26" presetID="10" presetClass="entr" presetSubtype="0" fill="hold" grpId="0" nodeType="clickEffect">
+                                  <p:stCondLst>
+                                    <p:cond delay="0"/>
+                                  </p:stCondLst>
+                                  <p:childTnLst>
+                                    <p:set>
+                                      <p:cBhvr>
+                                        <p:cTn id="27" dur="1" fill="hold">
+                                          <p:stCondLst>
+                                            <p:cond delay="0"/>
+                                          </p:stCondLst>
+                                        </p:cTn>
+                                        <p:tgtEl>
+                                          <p:spTgt spid="10"/>
+                                        </p:tgtEl>
+                                        <p:attrNameLst>
+                                          <p:attrName>style.visibility</p:attrName>
+                                        </p:attrNameLst>
+                                      </p:cBhvr>
+                                      <p:to>
+                                        <p:strVal val="visible"/>
+                                      </p:to>
+                                    </p:set>
+                                    <p:animEffect transition="in" filter="fade">
+                                      <p:cBhvr>
+                                        <p:cTn id="28" dur="500"/>
+                                        <p:tgtEl>
+                                          <p:spTgt spid="10"/>
+                                        </p:tgtEl>
+                                      </p:cBhvr>
+                                    </p:animEffect>
+                                  </p:childTnLst>
+                                </p:cTn>
+                              </p:par>
+                            </p:childTnLst>
+                          </p:cTn>
+                        </p:par>
+                      </p:childTnLst>
+                    </p:cTn>
+                  </p:par>
+                </p:childTnLst>
+              </p:cTn>
+              <p:prevCondLst>
+                <p:cond evt="onPrev" delay="0">
+                  <p:tgtEl>
+                    <p:sldTgt/>
+                  </p:tgtEl>
+                </p:cond>
+              </p:prevCondLst>
+              <p:nextCondLst>
+                <p:cond evt="onNext" delay="0">
+                  <p:tgtEl>
+                    <p:sldTgt/>
+                  </p:tgtEl>
+                </p:cond>
+              </p:nextCondLst>
+            </p:seq>
+          </p:childTnLst>
+        </p:cTn>
+      </p:par>
+    </p:tnLst>
+    <p:bldLst>
+      <p:bldP spid="2" grpId="0"/>
+      <p:bldP spid="3" grpId="0"/>
+      <p:bldP spid="4" grpId="0"/>
+      <p:bldP spid="5" grpId="0"/>
+      <p:bldP spid="9" grpId="0" animBg="1"/>
+      <p:bldP spid="10" grpId="0" animBg="1"/>
+    </p:bldLst>
+  </p:timing>
 </p:sld>
 </file>
 
@@ -11176,6 +12253,92 @@
       <p:transition spd="slow" advTm="170604"/>
     </mc:Fallback>
   </mc:AlternateContent>
+  <p:timing>
+    <p:tnLst>
+      <p:par>
+        <p:cTn id="1" dur="indefinite" restart="never" nodeType="tmRoot">
+          <p:childTnLst>
+            <p:seq concurrent="1" nextAc="seek">
+              <p:cTn id="2" dur="indefinite" nodeType="mainSeq">
+                <p:childTnLst>
+                  <p:par>
+                    <p:cTn id="3" fill="hold">
+                      <p:stCondLst>
+                        <p:cond delay="indefinite"/>
+                      </p:stCondLst>
+                      <p:childTnLst>
+                        <p:par>
+                          <p:cTn id="4" fill="hold">
+                            <p:stCondLst>
+                              <p:cond delay="0"/>
+                            </p:stCondLst>
+                            <p:childTnLst>
+                              <p:par>
+                                <p:cTn id="5" presetID="10" presetClass="entr" presetSubtype="0" fill="hold" grpId="0" nodeType="clickEffect">
+                                  <p:stCondLst>
+                                    <p:cond delay="0"/>
+                                  </p:stCondLst>
+                                  <p:childTnLst>
+                                    <p:set>
+                                      <p:cBhvr>
+                                        <p:cTn id="6" dur="1" fill="hold">
+                                          <p:stCondLst>
+                                            <p:cond delay="0"/>
+                                          </p:stCondLst>
+                                        </p:cTn>
+                                        <p:tgtEl>
+                                          <p:spTgt spid="5"/>
+                                        </p:tgtEl>
+                                        <p:attrNameLst>
+                                          <p:attrName>style.visibility</p:attrName>
+                                        </p:attrNameLst>
+                                      </p:cBhvr>
+                                      <p:to>
+                                        <p:strVal val="visible"/>
+                                      </p:to>
+                                    </p:set>
+                                    <p:animEffect transition="in" filter="fade">
+                                      <p:cBhvr>
+                                        <p:cTn id="7" dur="500"/>
+                                        <p:tgtEl>
+                                          <p:spTgt spid="5"/>
+                                        </p:tgtEl>
+                                      </p:cBhvr>
+                                    </p:animEffect>
+                                  </p:childTnLst>
+                                </p:cTn>
+                              </p:par>
+                            </p:childTnLst>
+                          </p:cTn>
+                        </p:par>
+                      </p:childTnLst>
+                    </p:cTn>
+                  </p:par>
+                </p:childTnLst>
+              </p:cTn>
+              <p:prevCondLst>
+                <p:cond evt="onPrev" delay="0">
+                  <p:tgtEl>
+                    <p:sldTgt/>
+                  </p:tgtEl>
+                </p:cond>
+              </p:prevCondLst>
+              <p:nextCondLst>
+                <p:cond evt="onNext" delay="0">
+                  <p:tgtEl>
+                    <p:sldTgt/>
+                  </p:tgtEl>
+                </p:cond>
+              </p:nextCondLst>
+            </p:seq>
+          </p:childTnLst>
+        </p:cTn>
+      </p:par>
+    </p:tnLst>
+    <p:bldLst>
+      <p:bldP spid="5" grpId="0" animBg="1"/>
+    </p:bldLst>
+  </p:timing>
 </p:sld>
 </file>
 
@@ -13216,6 +14379,89 @@
       <p:transition spd="slow" advTm="170604"/>
     </mc:Fallback>
   </mc:AlternateContent>
+  <p:timing>
+    <p:tnLst>
+      <p:par>
+        <p:cTn id="1" dur="indefinite" restart="never" nodeType="tmRoot">
+          <p:childTnLst>
+            <p:seq concurrent="1" nextAc="seek">
+              <p:cTn id="2" dur="indefinite" nodeType="mainSeq">
+                <p:childTnLst>
+                  <p:par>
+                    <p:cTn id="3" fill="hold">
+                      <p:stCondLst>
+                        <p:cond delay="indefinite"/>
+                      </p:stCondLst>
+                      <p:childTnLst>
+                        <p:par>
+                          <p:cTn id="4" fill="hold">
+                            <p:stCondLst>
+                              <p:cond delay="0"/>
+                            </p:stCondLst>
+                            <p:childTnLst>
+                              <p:par>
+                                <p:cTn id="5" presetID="10" presetClass="entr" presetSubtype="0" fill="hold" nodeType="clickEffect">
+                                  <p:stCondLst>
+                                    <p:cond delay="0"/>
+                                  </p:stCondLst>
+                                  <p:childTnLst>
+                                    <p:set>
+                                      <p:cBhvr>
+                                        <p:cTn id="6" dur="1" fill="hold">
+                                          <p:stCondLst>
+                                            <p:cond delay="0"/>
+                                          </p:stCondLst>
+                                        </p:cTn>
+                                        <p:tgtEl>
+                                          <p:spTgt spid="41"/>
+                                        </p:tgtEl>
+                                        <p:attrNameLst>
+                                          <p:attrName>style.visibility</p:attrName>
+                                        </p:attrNameLst>
+                                      </p:cBhvr>
+                                      <p:to>
+                                        <p:strVal val="visible"/>
+                                      </p:to>
+                                    </p:set>
+                                    <p:animEffect transition="in" filter="fade">
+                                      <p:cBhvr>
+                                        <p:cTn id="7" dur="500"/>
+                                        <p:tgtEl>
+                                          <p:spTgt spid="41"/>
+                                        </p:tgtEl>
+                                      </p:cBhvr>
+                                    </p:animEffect>
+                                  </p:childTnLst>
+                                </p:cTn>
+                              </p:par>
+                            </p:childTnLst>
+                          </p:cTn>
+                        </p:par>
+                      </p:childTnLst>
+                    </p:cTn>
+                  </p:par>
+                </p:childTnLst>
+              </p:cTn>
+              <p:prevCondLst>
+                <p:cond evt="onPrev" delay="0">
+                  <p:tgtEl>
+                    <p:sldTgt/>
+                  </p:tgtEl>
+                </p:cond>
+              </p:prevCondLst>
+              <p:nextCondLst>
+                <p:cond evt="onNext" delay="0">
+                  <p:tgtEl>
+                    <p:sldTgt/>
+                  </p:tgtEl>
+                </p:cond>
+              </p:nextCondLst>
+            </p:seq>
+          </p:childTnLst>
+        </p:cTn>
+      </p:par>
+    </p:tnLst>
+  </p:timing>
 </p:sld>
 </file>
 
@@ -14642,6 +15888,243 @@
       <p:transition spd="slow" advTm="170604"/>
     </mc:Fallback>
   </mc:AlternateContent>
+  <p:timing>
+    <p:tnLst>
+      <p:par>
+        <p:cTn id="1" dur="indefinite" restart="never" nodeType="tmRoot">
+          <p:childTnLst>
+            <p:seq concurrent="1" nextAc="seek">
+              <p:cTn id="2" dur="indefinite" nodeType="mainSeq">
+                <p:childTnLst>
+                  <p:par>
+                    <p:cTn id="3" fill="hold">
+                      <p:stCondLst>
+                        <p:cond delay="indefinite"/>
+                      </p:stCondLst>
+                      <p:childTnLst>
+                        <p:par>
+                          <p:cTn id="4" fill="hold">
+                            <p:stCondLst>
+                              <p:cond delay="0"/>
+                            </p:stCondLst>
+                            <p:childTnLst>
+                              <p:par>
+                                <p:cTn id="5" presetID="10" presetClass="entr" presetSubtype="0" fill="hold" grpId="0" nodeType="clickEffect">
+                                  <p:stCondLst>
+                                    <p:cond delay="0"/>
+                                  </p:stCondLst>
+                                  <p:childTnLst>
+                                    <p:set>
+                                      <p:cBhvr>
+                                        <p:cTn id="6" dur="1" fill="hold">
+                                          <p:stCondLst>
+                                            <p:cond delay="0"/>
+                                          </p:stCondLst>
+                                        </p:cTn>
+                                        <p:tgtEl>
+                                          <p:spTgt spid="8"/>
+                                        </p:tgtEl>
+                                        <p:attrNameLst>
+                                          <p:attrName>style.visibility</p:attrName>
+                                        </p:attrNameLst>
+                                      </p:cBhvr>
+                                      <p:to>
+                                        <p:strVal val="visible"/>
+                                      </p:to>
+                                    </p:set>
+                                    <p:animEffect transition="in" filter="fade">
+                                      <p:cBhvr>
+                                        <p:cTn id="7" dur="500"/>
+                                        <p:tgtEl>
+                                          <p:spTgt spid="8"/>
+                                        </p:tgtEl>
+                                      </p:cBhvr>
+                                    </p:animEffect>
+                                  </p:childTnLst>
+                                </p:cTn>
+                              </p:par>
+                              <p:par>
+                                <p:cTn id="8" presetID="10" presetClass="entr" presetSubtype="0" fill="hold" grpId="0" nodeType="withEffect">
+                                  <p:stCondLst>
+                                    <p:cond delay="0"/>
+                                  </p:stCondLst>
+                                  <p:childTnLst>
+                                    <p:set>
+                                      <p:cBhvr>
+                                        <p:cTn id="9" dur="1" fill="hold">
+                                          <p:stCondLst>
+                                            <p:cond delay="0"/>
+                                          </p:stCondLst>
+                                        </p:cTn>
+                                        <p:tgtEl>
+                                          <p:spTgt spid="12"/>
+                                        </p:tgtEl>
+                                        <p:attrNameLst>
+                                          <p:attrName>style.visibility</p:attrName>
+                                        </p:attrNameLst>
+                                      </p:cBhvr>
+                                      <p:to>
+                                        <p:strVal val="visible"/>
+                                      </p:to>
+                                    </p:set>
+                                    <p:animEffect transition="in" filter="fade">
+                                      <p:cBhvr>
+                                        <p:cTn id="10" dur="500"/>
+                                        <p:tgtEl>
+                                          <p:spTgt spid="12"/>
+                                        </p:tgtEl>
+                                      </p:cBhvr>
+                                    </p:animEffect>
+                                  </p:childTnLst>
+                                </p:cTn>
+                              </p:par>
+                            </p:childTnLst>
+                          </p:cTn>
+                        </p:par>
+                      </p:childTnLst>
+                    </p:cTn>
+                  </p:par>
+                  <p:par>
+                    <p:cTn id="11" fill="hold">
+                      <p:stCondLst>
+                        <p:cond delay="indefinite"/>
+                      </p:stCondLst>
+                      <p:childTnLst>
+                        <p:par>
+                          <p:cTn id="12" fill="hold">
+                            <p:stCondLst>
+                              <p:cond delay="0"/>
+                            </p:stCondLst>
+                            <p:childTnLst>
+                              <p:par>
+                                <p:cTn id="13" presetID="10" presetClass="entr" presetSubtype="0" fill="hold" nodeType="clickEffect">
+                                  <p:stCondLst>
+                                    <p:cond delay="0"/>
+                                  </p:stCondLst>
+                                  <p:childTnLst>
+                                    <p:set>
+                                      <p:cBhvr>
+                                        <p:cTn id="14" dur="1" fill="hold">
+                                          <p:stCondLst>
+                                            <p:cond delay="0"/>
+                                          </p:stCondLst>
+                                        </p:cTn>
+                                        <p:tgtEl>
+                                          <p:spTgt spid="4">
+                                            <p:txEl>
+                                              <p:pRg st="2" end="2"/>
+                                            </p:txEl>
+                                          </p:spTgt>
+                                        </p:tgtEl>
+                                        <p:attrNameLst>
+                                          <p:attrName>style.visibility</p:attrName>
+                                        </p:attrNameLst>
+                                      </p:cBhvr>
+                                      <p:to>
+                                        <p:strVal val="visible"/>
+                                      </p:to>
+                                    </p:set>
+                                    <p:animEffect transition="in" filter="fade">
+                                      <p:cBhvr>
+                                        <p:cTn id="15" dur="500"/>
+                                        <p:tgtEl>
+                                          <p:spTgt spid="4">
+                                            <p:txEl>
+                                              <p:pRg st="2" end="2"/>
+                                            </p:txEl>
+                                          </p:spTgt>
+                                        </p:tgtEl>
+                                      </p:cBhvr>
+                                    </p:animEffect>
+                                  </p:childTnLst>
+                                </p:cTn>
+                              </p:par>
+                            </p:childTnLst>
+                          </p:cTn>
+                        </p:par>
+                      </p:childTnLst>
+                    </p:cTn>
+                  </p:par>
+                  <p:par>
+                    <p:cTn id="16" fill="hold">
+                      <p:stCondLst>
+                        <p:cond delay="indefinite"/>
+                      </p:stCondLst>
+                      <p:childTnLst>
+                        <p:par>
+                          <p:cTn id="17" fill="hold">
+                            <p:stCondLst>
+                              <p:cond delay="0"/>
+                            </p:stCondLst>
+                            <p:childTnLst>
+                              <p:par>
+                                <p:cTn id="18" presetID="10" presetClass="entr" presetSubtype="0" fill="hold" grpId="0" nodeType="clickEffect">
+                                  <p:stCondLst>
+                                    <p:cond delay="0"/>
+                                  </p:stCondLst>
+                                  <p:childTnLst>
+                                    <p:set>
+                                      <p:cBhvr>
+                                        <p:cTn id="19" dur="1" fill="hold">
+                                          <p:stCondLst>
+                                            <p:cond delay="0"/>
+                                          </p:stCondLst>
+                                        </p:cTn>
+                                        <p:tgtEl>
+                                          <p:spTgt spid="14"/>
+                                        </p:tgtEl>
+                                        <p:attrNameLst>
+                                          <p:attrName>style.visibility</p:attrName>
+                                        </p:attrNameLst>
+                                      </p:cBhvr>
+                                      <p:to>
+                                        <p:strVal val="visible"/>
+                                      </p:to>
+                                    </p:set>
+                                    <p:animEffect transition="in" filter="fade">
+                                      <p:cBhvr>
+                                        <p:cTn id="20" dur="500"/>
+                                        <p:tgtEl>
+                                          <p:spTgt spid="14"/>
+                                        </p:tgtEl>
+                                      </p:cBhvr>
+                                    </p:animEffect>
+                                  </p:childTnLst>
+                                </p:cTn>
+                              </p:par>
+                            </p:childTnLst>
+                          </p:cTn>
+                        </p:par>
+                      </p:childTnLst>
+                    </p:cTn>
+                  </p:par>
+                </p:childTnLst>
+              </p:cTn>
+              <p:prevCondLst>
+                <p:cond evt="onPrev" delay="0">
+                  <p:tgtEl>
+                    <p:sldTgt/>
+                  </p:tgtEl>
+                </p:cond>
+              </p:prevCondLst>
+              <p:nextCondLst>
+                <p:cond evt="onNext" delay="0">
+                  <p:tgtEl>
+                    <p:sldTgt/>
+                  </p:tgtEl>
+                </p:cond>
+              </p:nextCondLst>
+            </p:seq>
+          </p:childTnLst>
+        </p:cTn>
+      </p:par>
+    </p:tnLst>
+    <p:bldLst>
+      <p:bldP spid="8" grpId="0"/>
+      <p:bldP spid="12" grpId="0"/>
+      <p:bldP spid="14" grpId="0" animBg="1"/>
+    </p:bldLst>
+  </p:timing>
 </p:sld>
 </file>
 
@@ -15823,6 +17306,92 @@
       <p:transition spd="slow" advTm="170604"/>
     </mc:Fallback>
   </mc:AlternateContent>
+  <p:timing>
+    <p:tnLst>
+      <p:par>
+        <p:cTn id="1" dur="indefinite" restart="never" nodeType="tmRoot">
+          <p:childTnLst>
+            <p:seq concurrent="1" nextAc="seek">
+              <p:cTn id="2" dur="indefinite" nodeType="mainSeq">
+                <p:childTnLst>
+                  <p:par>
+                    <p:cTn id="3" fill="hold">
+                      <p:stCondLst>
+                        <p:cond delay="indefinite"/>
+                      </p:stCondLst>
+                      <p:childTnLst>
+                        <p:par>
+                          <p:cTn id="4" fill="hold">
+                            <p:stCondLst>
+                              <p:cond delay="0"/>
+                            </p:stCondLst>
+                            <p:childTnLst>
+                              <p:par>
+                                <p:cTn id="5" presetID="10" presetClass="entr" presetSubtype="0" fill="hold" grpId="0" nodeType="clickEffect">
+                                  <p:stCondLst>
+                                    <p:cond delay="0"/>
+                                  </p:stCondLst>
+                                  <p:childTnLst>
+                                    <p:set>
+                                      <p:cBhvr>
+                                        <p:cTn id="6" dur="1" fill="hold">
+                                          <p:stCondLst>
+                                            <p:cond delay="0"/>
+                                          </p:stCondLst>
+                                        </p:cTn>
+                                        <p:tgtEl>
+                                          <p:spTgt spid="2"/>
+                                        </p:tgtEl>
+                                        <p:attrNameLst>
+                                          <p:attrName>style.visibility</p:attrName>
+                                        </p:attrNameLst>
+                                      </p:cBhvr>
+                                      <p:to>
+                                        <p:strVal val="visible"/>
+                                      </p:to>
+                                    </p:set>
+                                    <p:animEffect transition="in" filter="fade">
+                                      <p:cBhvr>
+                                        <p:cTn id="7" dur="500"/>
+                                        <p:tgtEl>
+                                          <p:spTgt spid="2"/>
+                                        </p:tgtEl>
+                                      </p:cBhvr>
+                                    </p:animEffect>
+                                  </p:childTnLst>
+                                </p:cTn>
+                              </p:par>
+                            </p:childTnLst>
+                          </p:cTn>
+                        </p:par>
+                      </p:childTnLst>
+                    </p:cTn>
+                  </p:par>
+                </p:childTnLst>
+              </p:cTn>
+              <p:prevCondLst>
+                <p:cond evt="onPrev" delay="0">
+                  <p:tgtEl>
+                    <p:sldTgt/>
+                  </p:tgtEl>
+                </p:cond>
+              </p:prevCondLst>
+              <p:nextCondLst>
+                <p:cond evt="onNext" delay="0">
+                  <p:tgtEl>
+                    <p:sldTgt/>
+                  </p:tgtEl>
+                </p:cond>
+              </p:nextCondLst>
+            </p:seq>
+          </p:childTnLst>
+        </p:cTn>
+      </p:par>
+    </p:tnLst>
+    <p:bldLst>
+      <p:bldP spid="2" grpId="0" animBg="1"/>
+    </p:bldLst>
+  </p:timing>
 </p:sld>
 </file>
 
@@ -17390,36 +18959,6 @@
           </a:p>
         </p:txBody>
       </p:sp>
-      <p:pic>
-        <p:nvPicPr>
-          <p:cNvPr id="85" name="Picture 84">
-            <a:extLst>
-              <a:ext uri="{FF2B5EF4-FFF2-40B4-BE49-F238E27FC236}">
-                <a16:creationId xmlns:a16="http://schemas.microsoft.com/office/drawing/2014/main" id="{63E4CF79-A00B-FB46-2AF4-07CBFBEC8F23}"/>
-              </a:ext>
-            </a:extLst>
-          </p:cNvPr>
-          <p:cNvPicPr>
-            <a:picLocks noChangeAspect="1"/>
-          </p:cNvPicPr>
-          <p:nvPr/>
-        </p:nvPicPr>
-        <p:blipFill>
-          <a:blip r:embed="rId10"/>
-          <a:stretch>
-            <a:fillRect/>
-          </a:stretch>
-        </p:blipFill>
-        <p:spPr>
-          <a:xfrm>
-            <a:off x="7925811" y="3393128"/>
-            <a:ext cx="4176633" cy="3143702"/>
-          </a:xfrm>
-          <a:prstGeom prst="rect">
-            <a:avLst/>
-          </a:prstGeom>
-        </p:spPr>
-      </p:pic>
     </p:spTree>
     <p:extLst>
       <p:ext uri="{BB962C8B-B14F-4D97-AF65-F5344CB8AC3E}">
@@ -17438,6 +18977,146 @@
       <p:transition spd="slow" advTm="170604"/>
     </mc:Fallback>
   </mc:AlternateContent>
+  <p:timing>
+    <p:tnLst>
+      <p:par>
+        <p:cTn id="1" dur="indefinite" restart="never" nodeType="tmRoot">
+          <p:childTnLst>
+            <p:seq concurrent="1" nextAc="seek">
+              <p:cTn id="2" dur="indefinite" nodeType="mainSeq">
+                <p:childTnLst>
+                  <p:par>
+                    <p:cTn id="3" fill="hold">
+                      <p:stCondLst>
+                        <p:cond delay="indefinite"/>
+                      </p:stCondLst>
+                      <p:childTnLst>
+                        <p:par>
+                          <p:cTn id="4" fill="hold">
+                            <p:stCondLst>
+                              <p:cond delay="0"/>
+                            </p:stCondLst>
+                            <p:childTnLst>
+                              <p:par>
+                                <p:cTn id="5" presetID="10" presetClass="entr" presetSubtype="0" fill="hold" grpId="0" nodeType="clickEffect">
+                                  <p:stCondLst>
+                                    <p:cond delay="0"/>
+                                  </p:stCondLst>
+                                  <p:childTnLst>
+                                    <p:set>
+                                      <p:cBhvr>
+                                        <p:cTn id="6" dur="1" fill="hold">
+                                          <p:stCondLst>
+                                            <p:cond delay="0"/>
+                                          </p:stCondLst>
+                                        </p:cTn>
+                                        <p:tgtEl>
+                                          <p:spTgt spid="71"/>
+                                        </p:tgtEl>
+                                        <p:attrNameLst>
+                                          <p:attrName>style.visibility</p:attrName>
+                                        </p:attrNameLst>
+                                      </p:cBhvr>
+                                      <p:to>
+                                        <p:strVal val="visible"/>
+                                      </p:to>
+                                    </p:set>
+                                    <p:animEffect transition="in" filter="fade">
+                                      <p:cBhvr>
+                                        <p:cTn id="7" dur="500"/>
+                                        <p:tgtEl>
+                                          <p:spTgt spid="71"/>
+                                        </p:tgtEl>
+                                      </p:cBhvr>
+                                    </p:animEffect>
+                                  </p:childTnLst>
+                                </p:cTn>
+                              </p:par>
+                            </p:childTnLst>
+                          </p:cTn>
+                        </p:par>
+                      </p:childTnLst>
+                    </p:cTn>
+                  </p:par>
+                  <p:par>
+                    <p:cTn id="8" fill="hold">
+                      <p:stCondLst>
+                        <p:cond delay="indefinite"/>
+                      </p:stCondLst>
+                      <p:childTnLst>
+                        <p:par>
+                          <p:cTn id="9" fill="hold">
+                            <p:stCondLst>
+                              <p:cond delay="0"/>
+                            </p:stCondLst>
+                            <p:childTnLst>
+                              <p:par>
+                                <p:cTn id="10" presetID="10" presetClass="entr" presetSubtype="0" fill="hold" grpId="0" nodeType="clickEffect">
+                                  <p:stCondLst>
+                                    <p:cond delay="0"/>
+                                  </p:stCondLst>
+                                  <p:childTnLst>
+                                    <p:set>
+                                      <p:cBhvr>
+                                        <p:cTn id="11" dur="1" fill="hold">
+                                          <p:stCondLst>
+                                            <p:cond delay="0"/>
+                                          </p:stCondLst>
+                                        </p:cTn>
+                                        <p:tgtEl>
+                                          <p:spTgt spid="72"/>
+                                        </p:tgtEl>
+                                        <p:attrNameLst>
+                                          <p:attrName>style.visibility</p:attrName>
+                                        </p:attrNameLst>
+                                      </p:cBhvr>
+                                      <p:to>
+                                        <p:strVal val="visible"/>
+                                      </p:to>
+                                    </p:set>
+                                    <p:animEffect transition="in" filter="fade">
+                                      <p:cBhvr>
+                                        <p:cTn id="12" dur="500"/>
+                                        <p:tgtEl>
+                                          <p:spTgt spid="72"/>
+                                        </p:tgtEl>
+                                      </p:cBhvr>
+                                    </p:animEffect>
+                                  </p:childTnLst>
+                                </p:cTn>
+                              </p:par>
+                            </p:childTnLst>
+                          </p:cTn>
+                        </p:par>
+                      </p:childTnLst>
+                    </p:cTn>
+                  </p:par>
+                </p:childTnLst>
+              </p:cTn>
+              <p:prevCondLst>
+                <p:cond evt="onPrev" delay="0">
+                  <p:tgtEl>
+                    <p:sldTgt/>
+                  </p:tgtEl>
+                </p:cond>
+              </p:prevCondLst>
+              <p:nextCondLst>
+                <p:cond evt="onNext" delay="0">
+                  <p:tgtEl>
+                    <p:sldTgt/>
+                  </p:tgtEl>
+                </p:cond>
+              </p:nextCondLst>
+            </p:seq>
+          </p:childTnLst>
+        </p:cTn>
+      </p:par>
+    </p:tnLst>
+    <p:bldLst>
+      <p:bldP spid="71" grpId="0"/>
+      <p:bldP spid="72" grpId="0" animBg="1"/>
+    </p:bldLst>
+  </p:timing>
 </p:sld>
 </file>
 
